--- a/Progress Seminar.pptx
+++ b/Progress Seminar.pptx
@@ -12766,7 +12766,7 @@
         </p:blipFill>
         <p:spPr>
           <a:xfrm>
-            <a:off x="524586" y="1436168"/>
+            <a:off x="698347" y="1436168"/>
             <a:ext cx="1583853" cy="1643822"/>
           </a:xfrm>
           <a:custGeom>
